--- a/gibbs.pptx
+++ b/gibbs.pptx
@@ -21368,22 +21368,7 @@
                 <a:latin typeface="Courier New" pitchFamily="49" charset="0"/>
                 <a:cs typeface="Courier New" pitchFamily="49" charset="0"/>
               </a:rPr>
-              <a:t>_1...</a:t>
-            </a:r>
-            <a:r>
-              <a:rPr lang="sr-Latn-RS" sz="1600" b="1" spc="-150" dirty="0" smtClean="0">
-                <a:solidFill>
-                  <a:sysClr val="windowText" lastClr="000000"/>
-                </a:solidFill>
-                <a:uFill>
-                  <a:solidFill>
-                    <a:srgbClr val="FFFFFF"/>
-                  </a:solidFill>
-                </a:uFill>
-                <a:latin typeface="Courier New" pitchFamily="49" charset="0"/>
-                <a:cs typeface="Courier New" pitchFamily="49" charset="0"/>
-              </a:rPr>
-              <a:t>X_j</a:t>
+              <a:t>_1...X_j</a:t>
             </a:r>
             <a:endParaRPr lang="en-US" sz="1600" b="1" spc="-150" dirty="0" smtClean="0">
               <a:solidFill>
@@ -21616,11 +21601,526 @@
           <a:chExt cx="0" cy="0"/>
         </a:xfrm>
       </p:grpSpPr>
+      <p:sp>
+        <p:nvSpPr>
+          <p:cNvPr id="2" name="TextShape 1"/>
+          <p:cNvSpPr txBox="1"/>
+          <p:nvPr/>
+        </p:nvSpPr>
+        <p:spPr>
+          <a:xfrm>
+            <a:off x="8778240" y="4648680"/>
+            <a:ext cx="91440" cy="360"/>
+          </a:xfrm>
+          <a:prstGeom prst="rect">
+            <a:avLst/>
+          </a:prstGeom>
+          <a:noFill/>
+          <a:ln>
+            <a:noFill/>
+          </a:ln>
+        </p:spPr>
+        <p:txBody>
+          <a:bodyPr lIns="0" tIns="0" rIns="0" bIns="0"/>
+          <a:lstStyle/>
+          <a:p>
+            <a:pPr marL="432000" indent="-324000">
+              <a:buClr>
+                <a:srgbClr val="FFFFFF"/>
+              </a:buClr>
+              <a:buSzPct val="45000"/>
+              <a:buFont typeface="Wingdings" charset="2"/>
+              <a:buChar char=""/>
+            </a:pPr>
+            <a:r>
+              <a:rPr lang="en-US" sz="1800" b="1" strike="noStrike" spc="-1">
+                <a:solidFill>
+                  <a:srgbClr val="FFFFFF"/>
+                </a:solidFill>
+                <a:uFill>
+                  <a:solidFill>
+                    <a:srgbClr val="FFFFFF"/>
+                  </a:solidFill>
+                </a:uFill>
+                <a:latin typeface="LM Mono Light 10"/>
+              </a:rPr>
+              <a:t>MCMC („Markov chain Monte Carlo’) metod biranja uzorka obezbeĊuje biranje uzorka iz</a:t>
+            </a:r>
+            <a:endParaRPr lang="en-US" sz="1400" b="0" strike="noStrike" spc="-1">
+              <a:solidFill>
+                <a:srgbClr val="000000"/>
+              </a:solidFill>
+              <a:uFill>
+                <a:solidFill>
+                  <a:srgbClr val="FFFFFF"/>
+                </a:solidFill>
+              </a:uFill>
+              <a:latin typeface="Arial"/>
+            </a:endParaRPr>
+          </a:p>
+          <a:p>
+            <a:pPr marL="432000" indent="-324000">
+              <a:buClr>
+                <a:srgbClr val="FFFFFF"/>
+              </a:buClr>
+              <a:buSzPct val="45000"/>
+              <a:buFont typeface="Wingdings" charset="2"/>
+              <a:buChar char=""/>
+            </a:pPr>
+            <a:r>
+              <a:rPr lang="en-US" sz="1800" b="1" strike="noStrike" spc="-1">
+                <a:solidFill>
+                  <a:srgbClr val="FFFFFF"/>
+                </a:solidFill>
+                <a:uFill>
+                  <a:solidFill>
+                    <a:srgbClr val="FFFFFF"/>
+                  </a:solidFill>
+                </a:uFill>
+                <a:latin typeface="LM Mono Light 10"/>
+              </a:rPr>
+              <a:t>višedimenzionih gustina raspodela, razlažući ih na raspodele manjih dimenzija sa kojima je</a:t>
+            </a:r>
+            <a:endParaRPr lang="en-US" sz="1400" b="0" strike="noStrike" spc="-1">
+              <a:solidFill>
+                <a:srgbClr val="000000"/>
+              </a:solidFill>
+              <a:uFill>
+                <a:solidFill>
+                  <a:srgbClr val="FFFFFF"/>
+                </a:solidFill>
+              </a:uFill>
+              <a:latin typeface="Arial"/>
+            </a:endParaRPr>
+          </a:p>
+          <a:p>
+            <a:pPr marL="432000" indent="-324000">
+              <a:buClr>
+                <a:srgbClr val="FFFFFF"/>
+              </a:buClr>
+              <a:buSzPct val="45000"/>
+              <a:buFont typeface="Wingdings" charset="2"/>
+              <a:buChar char=""/>
+            </a:pPr>
+            <a:r>
+              <a:rPr lang="en-US" sz="1800" b="1" strike="noStrike" spc="-1">
+                <a:solidFill>
+                  <a:srgbClr val="FFFFFF"/>
+                </a:solidFill>
+                <a:uFill>
+                  <a:solidFill>
+                    <a:srgbClr val="FFFFFF"/>
+                  </a:solidFill>
+                </a:uFill>
+                <a:latin typeface="LM Mono Light 10"/>
+              </a:rPr>
+              <a:t>lakše raditi. Deo imena „Monte Carlo‟, navedenog metoda, ukazuje na proces sluĉajne</a:t>
+            </a:r>
+            <a:endParaRPr lang="en-US" sz="1400" b="0" strike="noStrike" spc="-1">
+              <a:solidFill>
+                <a:srgbClr val="000000"/>
+              </a:solidFill>
+              <a:uFill>
+                <a:solidFill>
+                  <a:srgbClr val="FFFFFF"/>
+                </a:solidFill>
+              </a:uFill>
+              <a:latin typeface="Arial"/>
+            </a:endParaRPr>
+          </a:p>
+          <a:p>
+            <a:pPr marL="432000" indent="-324000">
+              <a:buClr>
+                <a:srgbClr val="FFFFFF"/>
+              </a:buClr>
+              <a:buSzPct val="45000"/>
+              <a:buFont typeface="Wingdings" charset="2"/>
+              <a:buChar char=""/>
+            </a:pPr>
+            <a:r>
+              <a:rPr lang="en-US" sz="1800" b="1" strike="noStrike" spc="-1">
+                <a:solidFill>
+                  <a:srgbClr val="FFFFFF"/>
+                </a:solidFill>
+                <a:uFill>
+                  <a:solidFill>
+                    <a:srgbClr val="FFFFFF"/>
+                  </a:solidFill>
+                </a:uFill>
+                <a:latin typeface="LM Mono Light 10"/>
+              </a:rPr>
+              <a:t>simulacije, dok deo imena „Markov chain‟ ukazuje da se element uzorka iz aposteriorne</a:t>
+            </a:r>
+            <a:endParaRPr lang="en-US" sz="1400" b="0" strike="noStrike" spc="-1">
+              <a:solidFill>
+                <a:srgbClr val="000000"/>
+              </a:solidFill>
+              <a:uFill>
+                <a:solidFill>
+                  <a:srgbClr val="FFFFFF"/>
+                </a:solidFill>
+              </a:uFill>
+              <a:latin typeface="Arial"/>
+            </a:endParaRPr>
+          </a:p>
+          <a:p>
+            <a:pPr marL="432000" indent="-324000">
+              <a:buClr>
+                <a:srgbClr val="FFFFFF"/>
+              </a:buClr>
+              <a:buSzPct val="45000"/>
+              <a:buFont typeface="Wingdings" charset="2"/>
+              <a:buChar char=""/>
+            </a:pPr>
+            <a:r>
+              <a:rPr lang="en-US" sz="1800" b="1" strike="noStrike" spc="-1">
+                <a:solidFill>
+                  <a:srgbClr val="FFFFFF"/>
+                </a:solidFill>
+                <a:uFill>
+                  <a:solidFill>
+                    <a:srgbClr val="FFFFFF"/>
+                  </a:solidFill>
+                </a:uFill>
+                <a:latin typeface="LM Mono Light 10"/>
+              </a:rPr>
+              <a:t>raspodele bira na osnovu prethodno izabranog elementa</a:t>
+            </a:r>
+            <a:endParaRPr lang="en-US" sz="1400" b="0" strike="noStrike" spc="-1">
+              <a:solidFill>
+                <a:srgbClr val="000000"/>
+              </a:solidFill>
+              <a:uFill>
+                <a:solidFill>
+                  <a:srgbClr val="FFFFFF"/>
+                </a:solidFill>
+              </a:uFill>
+              <a:latin typeface="Arial"/>
+            </a:endParaRPr>
+          </a:p>
+        </p:txBody>
+      </p:sp>
+      <p:sp>
+        <p:nvSpPr>
+          <p:cNvPr id="3" name="TextShape 2"/>
+          <p:cNvSpPr txBox="1"/>
+          <p:nvPr/>
+        </p:nvSpPr>
+        <p:spPr>
+          <a:xfrm>
+            <a:off x="1000100" y="214296"/>
+            <a:ext cx="7686340" cy="1143008"/>
+          </a:xfrm>
+          <a:prstGeom prst="rect">
+            <a:avLst/>
+          </a:prstGeom>
+          <a:noFill/>
+          <a:ln>
+            <a:noFill/>
+          </a:ln>
+        </p:spPr>
+        <p:txBody>
+          <a:bodyPr lIns="0" tIns="0" rIns="0" bIns="0" anchor="ctr"/>
+          <a:lstStyle/>
+          <a:p>
+            <a:r>
+              <a:rPr lang="en-US" sz="3000" b="0" strike="noStrike" spc="-1" dirty="0" err="1" smtClean="0">
+                <a:solidFill>
+                  <a:schemeClr val="bg1"/>
+                </a:solidFill>
+                <a:uFill>
+                  <a:solidFill>
+                    <a:srgbClr val="FFFFFF"/>
+                  </a:solidFill>
+                </a:uFill>
+                <a:latin typeface="Lucida Bright" pitchFamily="18" charset="0"/>
+              </a:rPr>
+              <a:t>Primene</a:t>
+            </a:r>
+            <a:endParaRPr lang="en-US" sz="3000" b="0" strike="noStrike" spc="-1" dirty="0">
+              <a:solidFill>
+                <a:schemeClr val="bg1"/>
+              </a:solidFill>
+              <a:uFill>
+                <a:solidFill>
+                  <a:srgbClr val="FFFFFF"/>
+                </a:solidFill>
+              </a:uFill>
+              <a:latin typeface="Lucida Bright" pitchFamily="18" charset="0"/>
+            </a:endParaRPr>
+          </a:p>
+        </p:txBody>
+      </p:sp>
+      <p:sp>
+        <p:nvSpPr>
+          <p:cNvPr id="4" name="TextShape 3"/>
+          <p:cNvSpPr txBox="1"/>
+          <p:nvPr/>
+        </p:nvSpPr>
+        <p:spPr>
+          <a:xfrm>
+            <a:off x="928662" y="1371600"/>
+            <a:ext cx="7143800" cy="3557604"/>
+          </a:xfrm>
+          <a:prstGeom prst="rect">
+            <a:avLst/>
+          </a:prstGeom>
+          <a:noFill/>
+          <a:ln>
+            <a:noFill/>
+          </a:ln>
+        </p:spPr>
+        <p:txBody>
+          <a:bodyPr lIns="0" tIns="0" rIns="0" bIns="0"/>
+          <a:lstStyle/>
+          <a:p>
+            <a:pPr marL="432000" indent="-324000">
+              <a:buClr>
+                <a:srgbClr val="FFFFFF"/>
+              </a:buClr>
+              <a:buSzPct val="45000"/>
+            </a:pPr>
+            <a:endParaRPr lang="en-US" b="0" strike="noStrike" spc="-1" dirty="0" smtClean="0">
+              <a:solidFill>
+                <a:srgbClr val="000000"/>
+              </a:solidFill>
+              <a:uFill>
+                <a:solidFill>
+                  <a:srgbClr val="FFFFFF"/>
+                </a:solidFill>
+              </a:uFill>
+              <a:latin typeface="Lucida Bright" pitchFamily="18" charset="0"/>
+            </a:endParaRPr>
+          </a:p>
+          <a:p>
+            <a:pPr marL="108000">
+              <a:buClr>
+                <a:srgbClr val="FFFFFF"/>
+              </a:buClr>
+              <a:buSzPct val="45000"/>
+            </a:pPr>
+            <a:r>
+              <a:rPr lang="sr-Latn-RS" sz="1400" b="1" strike="noStrike" spc="-1" dirty="0" smtClean="0">
+                <a:solidFill>
+                  <a:srgbClr val="FFFFFF"/>
+                </a:solidFill>
+                <a:uFill>
+                  <a:solidFill>
+                    <a:srgbClr val="FFFFFF"/>
+                  </a:solidFill>
+                </a:uFill>
+                <a:latin typeface="Lucida Bright" pitchFamily="18" charset="0"/>
+              </a:rPr>
+              <a:t>Algoritam generalno ne zavisi od problema i može se primenjivati kad god imamo složene raspodele iz kojih je teško uzorkovati a najčešće primene su</a:t>
+            </a:r>
+            <a:r>
+              <a:rPr lang="en-US" sz="1400" b="1" spc="-1" dirty="0" smtClean="0">
+                <a:solidFill>
+                  <a:srgbClr val="FFFFFF"/>
+                </a:solidFill>
+                <a:uFill>
+                  <a:solidFill>
+                    <a:srgbClr val="FFFFFF"/>
+                  </a:solidFill>
+                </a:uFill>
+                <a:latin typeface="Lucida Bright" pitchFamily="18" charset="0"/>
+              </a:rPr>
+              <a:t>:</a:t>
+            </a:r>
+            <a:endParaRPr lang="en-US" sz="1400" b="1" spc="-1" dirty="0">
+              <a:solidFill>
+                <a:srgbClr val="FFFFFF"/>
+              </a:solidFill>
+              <a:uFill>
+                <a:solidFill>
+                  <a:srgbClr val="FFFFFF"/>
+                </a:solidFill>
+              </a:uFill>
+              <a:latin typeface="Lucida Bright" pitchFamily="18" charset="0"/>
+            </a:endParaRPr>
+          </a:p>
+          <a:p>
+            <a:pPr marL="450900" indent="-342900">
+              <a:buClr>
+                <a:srgbClr val="FFFFFF"/>
+              </a:buClr>
+              <a:buSzPct val="45000"/>
+              <a:buFont typeface="Arial" pitchFamily="34" charset="0"/>
+              <a:buChar char="•"/>
+            </a:pPr>
+            <a:r>
+              <a:rPr lang="en-US" sz="1400" b="1" spc="-1" dirty="0" smtClean="0">
+                <a:solidFill>
+                  <a:srgbClr val="FFFFFF"/>
+                </a:solidFill>
+                <a:uFill>
+                  <a:solidFill>
+                    <a:srgbClr val="FFFFFF"/>
+                  </a:solidFill>
+                </a:uFill>
+                <a:latin typeface="Lucida Bright" pitchFamily="18" charset="0"/>
+              </a:rPr>
+              <a:t>Ma</a:t>
+            </a:r>
+            <a:r>
+              <a:rPr lang="sr-Latn-RS" sz="1400" b="1" spc="-1" dirty="0" smtClean="0">
+                <a:solidFill>
+                  <a:srgbClr val="FFFFFF"/>
+                </a:solidFill>
+                <a:uFill>
+                  <a:solidFill>
+                    <a:srgbClr val="FFFFFF"/>
+                  </a:solidFill>
+                </a:uFill>
+                <a:latin typeface="Lucida Bright" pitchFamily="18" charset="0"/>
+              </a:rPr>
+              <a:t>šinsko učenje  - određivanje raspodele radi predviđanja reči u tekstu 		     jedna je od osnovnih primena a one su u ovom polju 		    veoma široke</a:t>
+            </a:r>
+          </a:p>
+          <a:p>
+            <a:pPr marL="450900" indent="-342900">
+              <a:buClr>
+                <a:srgbClr val="FFFFFF"/>
+              </a:buClr>
+              <a:buSzPct val="45000"/>
+              <a:buFont typeface="Arial" pitchFamily="34" charset="0"/>
+              <a:buChar char="•"/>
+            </a:pPr>
+            <a:r>
+              <a:rPr lang="sr-Latn-RS" sz="1400" b="1" spc="-1" dirty="0" smtClean="0">
+                <a:solidFill>
+                  <a:srgbClr val="FFFFFF"/>
+                </a:solidFill>
+                <a:uFill>
+                  <a:solidFill>
+                    <a:srgbClr val="FFFFFF"/>
+                  </a:solidFill>
+                </a:uFill>
+                <a:latin typeface="Lucida Bright" pitchFamily="18" charset="0"/>
+              </a:rPr>
+              <a:t>Medicina – nalaženje verovatnoće </a:t>
+            </a:r>
+            <a:r>
+              <a:rPr lang="sr-Latn-RS" sz="1400" b="1" spc="-1" dirty="0" smtClean="0">
+                <a:solidFill>
+                  <a:srgbClr val="FFFFFF"/>
+                </a:solidFill>
+                <a:uFill>
+                  <a:solidFill>
+                    <a:srgbClr val="FFFFFF"/>
+                  </a:solidFill>
+                </a:uFill>
+                <a:latin typeface="Lucida Bright" pitchFamily="18" charset="0"/>
+                <a:sym typeface="Symbol"/>
+              </a:rPr>
+              <a:t> kod </a:t>
+            </a:r>
+            <a:r>
+              <a:rPr lang="sr-Latn-RS" sz="1400" b="1" spc="-1" dirty="0" smtClean="0">
+                <a:solidFill>
+                  <a:srgbClr val="FFFFFF"/>
+                </a:solidFill>
+                <a:uFill>
+                  <a:solidFill>
+                    <a:srgbClr val="FFFFFF"/>
+                  </a:solidFill>
+                </a:uFill>
+                <a:latin typeface="Lucida Bright" pitchFamily="18" charset="0"/>
+              </a:rPr>
+              <a:t>medicinskih testova</a:t>
+            </a:r>
+            <a:endParaRPr lang="sr-Latn-RS" sz="1400" b="1" spc="-1" dirty="0" smtClean="0">
+              <a:solidFill>
+                <a:schemeClr val="bg1"/>
+              </a:solidFill>
+              <a:uFill>
+                <a:solidFill>
+                  <a:srgbClr val="FFFFFF"/>
+                </a:solidFill>
+              </a:uFill>
+              <a:latin typeface="Lucida Bright" pitchFamily="18" charset="0"/>
+            </a:endParaRPr>
+          </a:p>
+          <a:p>
+            <a:pPr marL="450900" indent="-342900">
+              <a:buClr>
+                <a:srgbClr val="FFFFFF"/>
+              </a:buClr>
+              <a:buSzPct val="45000"/>
+              <a:buFont typeface="Arial" pitchFamily="34" charset="0"/>
+              <a:buChar char="•"/>
+            </a:pPr>
+            <a:r>
+              <a:rPr lang="sr-Latn-RS" sz="1400" b="1" spc="-1" dirty="0" smtClean="0">
+                <a:solidFill>
+                  <a:schemeClr val="bg1"/>
+                </a:solidFill>
+                <a:uFill>
+                  <a:solidFill>
+                    <a:srgbClr val="FFFFFF"/>
+                  </a:solidFill>
+                </a:uFill>
+                <a:latin typeface="Lucida Bright" pitchFamily="18" charset="0"/>
+              </a:rPr>
+              <a:t>Bioinformatika  - analiza genoma, biklasterovanje i nalaženje motifa u 		   DNK i RNK danas su obećavajuće oblasti zahvaljujući		   ovom algoritmu</a:t>
+            </a:r>
+          </a:p>
+          <a:p>
+            <a:pPr marL="450900" indent="-342900">
+              <a:buClr>
+                <a:srgbClr val="FFFFFF"/>
+              </a:buClr>
+              <a:buSzPct val="45000"/>
+              <a:buFont typeface="Arial" pitchFamily="34" charset="0"/>
+              <a:buChar char="•"/>
+            </a:pPr>
+            <a:endParaRPr lang="sr-Latn-RS" b="1" spc="-1" dirty="0" smtClean="0">
+              <a:solidFill>
+                <a:schemeClr val="bg1"/>
+              </a:solidFill>
+              <a:uFill>
+                <a:solidFill>
+                  <a:srgbClr val="FFFFFF"/>
+                </a:solidFill>
+              </a:uFill>
+              <a:latin typeface="Lucida Bright" pitchFamily="18" charset="0"/>
+            </a:endParaRPr>
+          </a:p>
+          <a:p>
+            <a:pPr marL="908100" lvl="1" indent="-342900">
+              <a:buClr>
+                <a:srgbClr val="FFFFFF"/>
+              </a:buClr>
+              <a:buSzPct val="45000"/>
+              <a:buFont typeface="Arial" pitchFamily="34" charset="0"/>
+              <a:buChar char="•"/>
+            </a:pPr>
+            <a:endParaRPr lang="sr-Latn-RS" b="1" spc="-1" dirty="0" smtClean="0">
+              <a:solidFill>
+                <a:srgbClr val="FFFFFF"/>
+              </a:solidFill>
+              <a:uFill>
+                <a:solidFill>
+                  <a:srgbClr val="FFFFFF"/>
+                </a:solidFill>
+              </a:uFill>
+              <a:latin typeface="Lucida Bright" pitchFamily="18" charset="0"/>
+            </a:endParaRPr>
+          </a:p>
+        </p:txBody>
+      </p:sp>
     </p:spTree>
   </p:cSld>
   <p:clrMapOvr>
     <a:masterClrMapping/>
   </p:clrMapOvr>
+  <p:timing>
+    <p:tnLst>
+      <p:par>
+        <p:cTn id="1" dur="indefinite" restart="never" nodeType="tmRoot"/>
+      </p:par>
+    </p:tnLst>
+  </p:timing>
 </p:sld>
 </file>
 
@@ -21641,11 +22141,499 @@
           <a:chExt cx="0" cy="0"/>
         </a:xfrm>
       </p:grpSpPr>
+      <p:sp>
+        <p:nvSpPr>
+          <p:cNvPr id="2" name="TextShape 1"/>
+          <p:cNvSpPr txBox="1"/>
+          <p:nvPr/>
+        </p:nvSpPr>
+        <p:spPr>
+          <a:xfrm>
+            <a:off x="8778240" y="4648680"/>
+            <a:ext cx="91440" cy="360"/>
+          </a:xfrm>
+          <a:prstGeom prst="rect">
+            <a:avLst/>
+          </a:prstGeom>
+          <a:noFill/>
+          <a:ln>
+            <a:noFill/>
+          </a:ln>
+        </p:spPr>
+        <p:txBody>
+          <a:bodyPr lIns="0" tIns="0" rIns="0" bIns="0"/>
+          <a:lstStyle/>
+          <a:p>
+            <a:pPr marL="432000" indent="-324000">
+              <a:buClr>
+                <a:srgbClr val="FFFFFF"/>
+              </a:buClr>
+              <a:buSzPct val="45000"/>
+              <a:buFont typeface="Wingdings" charset="2"/>
+              <a:buChar char=""/>
+            </a:pPr>
+            <a:r>
+              <a:rPr lang="en-US" sz="1800" b="1" strike="noStrike" spc="-1">
+                <a:solidFill>
+                  <a:srgbClr val="FFFFFF"/>
+                </a:solidFill>
+                <a:uFill>
+                  <a:solidFill>
+                    <a:srgbClr val="FFFFFF"/>
+                  </a:solidFill>
+                </a:uFill>
+                <a:latin typeface="LM Mono Light 10"/>
+              </a:rPr>
+              <a:t>MCMC („Markov chain Monte Carlo’) metod biranja uzorka obezbeĊuje biranje uzorka iz</a:t>
+            </a:r>
+            <a:endParaRPr lang="en-US" sz="1400" b="0" strike="noStrike" spc="-1">
+              <a:solidFill>
+                <a:srgbClr val="000000"/>
+              </a:solidFill>
+              <a:uFill>
+                <a:solidFill>
+                  <a:srgbClr val="FFFFFF"/>
+                </a:solidFill>
+              </a:uFill>
+              <a:latin typeface="Arial"/>
+            </a:endParaRPr>
+          </a:p>
+          <a:p>
+            <a:pPr marL="432000" indent="-324000">
+              <a:buClr>
+                <a:srgbClr val="FFFFFF"/>
+              </a:buClr>
+              <a:buSzPct val="45000"/>
+              <a:buFont typeface="Wingdings" charset="2"/>
+              <a:buChar char=""/>
+            </a:pPr>
+            <a:r>
+              <a:rPr lang="en-US" sz="1800" b="1" strike="noStrike" spc="-1">
+                <a:solidFill>
+                  <a:srgbClr val="FFFFFF"/>
+                </a:solidFill>
+                <a:uFill>
+                  <a:solidFill>
+                    <a:srgbClr val="FFFFFF"/>
+                  </a:solidFill>
+                </a:uFill>
+                <a:latin typeface="LM Mono Light 10"/>
+              </a:rPr>
+              <a:t>višedimenzionih gustina raspodela, razlažući ih na raspodele manjih dimenzija sa kojima je</a:t>
+            </a:r>
+            <a:endParaRPr lang="en-US" sz="1400" b="0" strike="noStrike" spc="-1">
+              <a:solidFill>
+                <a:srgbClr val="000000"/>
+              </a:solidFill>
+              <a:uFill>
+                <a:solidFill>
+                  <a:srgbClr val="FFFFFF"/>
+                </a:solidFill>
+              </a:uFill>
+              <a:latin typeface="Arial"/>
+            </a:endParaRPr>
+          </a:p>
+          <a:p>
+            <a:pPr marL="432000" indent="-324000">
+              <a:buClr>
+                <a:srgbClr val="FFFFFF"/>
+              </a:buClr>
+              <a:buSzPct val="45000"/>
+              <a:buFont typeface="Wingdings" charset="2"/>
+              <a:buChar char=""/>
+            </a:pPr>
+            <a:r>
+              <a:rPr lang="en-US" sz="1800" b="1" strike="noStrike" spc="-1">
+                <a:solidFill>
+                  <a:srgbClr val="FFFFFF"/>
+                </a:solidFill>
+                <a:uFill>
+                  <a:solidFill>
+                    <a:srgbClr val="FFFFFF"/>
+                  </a:solidFill>
+                </a:uFill>
+                <a:latin typeface="LM Mono Light 10"/>
+              </a:rPr>
+              <a:t>lakše raditi. Deo imena „Monte Carlo‟, navedenog metoda, ukazuje na proces sluĉajne</a:t>
+            </a:r>
+            <a:endParaRPr lang="en-US" sz="1400" b="0" strike="noStrike" spc="-1">
+              <a:solidFill>
+                <a:srgbClr val="000000"/>
+              </a:solidFill>
+              <a:uFill>
+                <a:solidFill>
+                  <a:srgbClr val="FFFFFF"/>
+                </a:solidFill>
+              </a:uFill>
+              <a:latin typeface="Arial"/>
+            </a:endParaRPr>
+          </a:p>
+          <a:p>
+            <a:pPr marL="432000" indent="-324000">
+              <a:buClr>
+                <a:srgbClr val="FFFFFF"/>
+              </a:buClr>
+              <a:buSzPct val="45000"/>
+              <a:buFont typeface="Wingdings" charset="2"/>
+              <a:buChar char=""/>
+            </a:pPr>
+            <a:r>
+              <a:rPr lang="en-US" sz="1800" b="1" strike="noStrike" spc="-1">
+                <a:solidFill>
+                  <a:srgbClr val="FFFFFF"/>
+                </a:solidFill>
+                <a:uFill>
+                  <a:solidFill>
+                    <a:srgbClr val="FFFFFF"/>
+                  </a:solidFill>
+                </a:uFill>
+                <a:latin typeface="LM Mono Light 10"/>
+              </a:rPr>
+              <a:t>simulacije, dok deo imena „Markov chain‟ ukazuje da se element uzorka iz aposteriorne</a:t>
+            </a:r>
+            <a:endParaRPr lang="en-US" sz="1400" b="0" strike="noStrike" spc="-1">
+              <a:solidFill>
+                <a:srgbClr val="000000"/>
+              </a:solidFill>
+              <a:uFill>
+                <a:solidFill>
+                  <a:srgbClr val="FFFFFF"/>
+                </a:solidFill>
+              </a:uFill>
+              <a:latin typeface="Arial"/>
+            </a:endParaRPr>
+          </a:p>
+          <a:p>
+            <a:pPr marL="432000" indent="-324000">
+              <a:buClr>
+                <a:srgbClr val="FFFFFF"/>
+              </a:buClr>
+              <a:buSzPct val="45000"/>
+              <a:buFont typeface="Wingdings" charset="2"/>
+              <a:buChar char=""/>
+            </a:pPr>
+            <a:r>
+              <a:rPr lang="en-US" sz="1800" b="1" strike="noStrike" spc="-1">
+                <a:solidFill>
+                  <a:srgbClr val="FFFFFF"/>
+                </a:solidFill>
+                <a:uFill>
+                  <a:solidFill>
+                    <a:srgbClr val="FFFFFF"/>
+                  </a:solidFill>
+                </a:uFill>
+                <a:latin typeface="LM Mono Light 10"/>
+              </a:rPr>
+              <a:t>raspodele bira na osnovu prethodno izabranog elementa</a:t>
+            </a:r>
+            <a:endParaRPr lang="en-US" sz="1400" b="0" strike="noStrike" spc="-1">
+              <a:solidFill>
+                <a:srgbClr val="000000"/>
+              </a:solidFill>
+              <a:uFill>
+                <a:solidFill>
+                  <a:srgbClr val="FFFFFF"/>
+                </a:solidFill>
+              </a:uFill>
+              <a:latin typeface="Arial"/>
+            </a:endParaRPr>
+          </a:p>
+        </p:txBody>
+      </p:sp>
+      <p:sp>
+        <p:nvSpPr>
+          <p:cNvPr id="3" name="TextShape 2"/>
+          <p:cNvSpPr txBox="1"/>
+          <p:nvPr/>
+        </p:nvSpPr>
+        <p:spPr>
+          <a:xfrm>
+            <a:off x="1000100" y="214296"/>
+            <a:ext cx="7686340" cy="1143008"/>
+          </a:xfrm>
+          <a:prstGeom prst="rect">
+            <a:avLst/>
+          </a:prstGeom>
+          <a:noFill/>
+          <a:ln>
+            <a:noFill/>
+          </a:ln>
+        </p:spPr>
+        <p:txBody>
+          <a:bodyPr lIns="0" tIns="0" rIns="0" bIns="0" anchor="ctr"/>
+          <a:lstStyle/>
+          <a:p>
+            <a:r>
+              <a:rPr lang="sr-Latn-RS" sz="3000" b="0" strike="noStrike" spc="-1" dirty="0" smtClean="0">
+                <a:solidFill>
+                  <a:schemeClr val="bg1"/>
+                </a:solidFill>
+                <a:uFill>
+                  <a:solidFill>
+                    <a:srgbClr val="FFFFFF"/>
+                  </a:solidFill>
+                </a:uFill>
+                <a:latin typeface="Lucida Bright" pitchFamily="18" charset="0"/>
+              </a:rPr>
+              <a:t>Mane algoritma</a:t>
+            </a:r>
+            <a:endParaRPr lang="en-US" sz="3000" b="0" strike="noStrike" spc="-1" dirty="0">
+              <a:solidFill>
+                <a:schemeClr val="bg1"/>
+              </a:solidFill>
+              <a:uFill>
+                <a:solidFill>
+                  <a:srgbClr val="FFFFFF"/>
+                </a:solidFill>
+              </a:uFill>
+              <a:latin typeface="Lucida Bright" pitchFamily="18" charset="0"/>
+            </a:endParaRPr>
+          </a:p>
+        </p:txBody>
+      </p:sp>
+      <mc:AlternateContent xmlns:mc="http://schemas.openxmlformats.org/markup-compatibility/2006">
+        <mc:Choice xmlns:a14="http://schemas.microsoft.com/office/drawing/2010/main" Requires="a14">
+          <p:sp>
+            <p:nvSpPr>
+              <p:cNvPr id="4" name="TextShape 3"/>
+              <p:cNvSpPr txBox="1"/>
+              <p:nvPr/>
+            </p:nvSpPr>
+            <p:spPr>
+              <a:xfrm>
+                <a:off x="928662" y="1371600"/>
+                <a:ext cx="7143800" cy="3557604"/>
+              </a:xfrm>
+              <a:prstGeom prst="rect">
+                <a:avLst/>
+              </a:prstGeom>
+              <a:noFill/>
+              <a:ln>
+                <a:noFill/>
+              </a:ln>
+            </p:spPr>
+            <p:txBody>
+              <a:bodyPr lIns="0" tIns="0" rIns="0" bIns="0"/>
+              <a:lstStyle/>
+              <a:p>
+                <a:pPr marL="565200" lvl="1">
+                  <a:buClr>
+                    <a:srgbClr val="FFFFFF"/>
+                  </a:buClr>
+                  <a:buSzPct val="45000"/>
+                </a:pPr>
+                <a:r>
+                  <a:rPr lang="sr-Latn-RS" b="1" spc="-1" dirty="0" smtClean="0">
+                    <a:solidFill>
+                      <a:srgbClr val="FFFFFF"/>
+                    </a:solidFill>
+                    <a:uFill>
+                      <a:solidFill>
+                        <a:srgbClr val="FFFFFF"/>
+                      </a:solidFill>
+                    </a:uFill>
+                    <a:latin typeface="Lucida Bright" pitchFamily="18" charset="0"/>
+                  </a:rPr>
+                  <a:t>Iako moćan Gibsov algoritam ima 2 poznata slučaja u kojima daje nepotpune </a:t>
+                </a:r>
+                <a:r>
+                  <a:rPr lang="sr-Latn-RS" b="1" spc="-1" dirty="0">
+                    <a:solidFill>
+                      <a:srgbClr val="FFFFFF"/>
+                    </a:solidFill>
+                    <a:uFill>
+                      <a:solidFill>
+                        <a:srgbClr val="FFFFFF"/>
+                      </a:solidFill>
+                    </a:uFill>
+                    <a:latin typeface="Lucida Bright" pitchFamily="18" charset="0"/>
+                  </a:rPr>
+                  <a:t>rezultate:</a:t>
+                </a:r>
+              </a:p>
+              <a:p>
+                <a:pPr marL="850950" lvl="1" indent="-285750">
+                  <a:buClr>
+                    <a:srgbClr val="FFFFFF"/>
+                  </a:buClr>
+                  <a:buSzPct val="45000"/>
+                  <a:buFont typeface="Arial" pitchFamily="34" charset="0"/>
+                  <a:buChar char="•"/>
+                </a:pPr>
+                <a:r>
+                  <a:rPr lang="sr-Latn-RS" b="1" spc="-1" dirty="0" smtClean="0">
+                    <a:solidFill>
+                      <a:srgbClr val="FFFFFF"/>
+                    </a:solidFill>
+                    <a:uFill>
+                      <a:solidFill>
+                        <a:srgbClr val="FFFFFF"/>
+                      </a:solidFill>
+                    </a:uFill>
+                    <a:latin typeface="Lucida Bright" pitchFamily="18" charset="0"/>
+                  </a:rPr>
+                  <a:t>Ukoliko su dva elementa vektora verovatnoća savršeno korelisani ili anti-korelisani elementi Gibsov algoritam biće zaglavljen i neće moći  da ih promeni.</a:t>
+                </a:r>
+              </a:p>
+              <a:p>
+                <a:pPr marL="850950" lvl="1" indent="-285750">
+                  <a:buClr>
+                    <a:srgbClr val="FFFFFF"/>
+                  </a:buClr>
+                  <a:buSzPct val="45000"/>
+                  <a:buFont typeface="Arial" pitchFamily="34" charset="0"/>
+                  <a:buChar char="•"/>
+                </a:pPr>
+                <a:r>
+                  <a:rPr lang="sr-Latn-RS" b="1" spc="-1" dirty="0" smtClean="0">
+                    <a:solidFill>
+                      <a:srgbClr val="FFFFFF"/>
+                    </a:solidFill>
+                    <a:uFill>
+                      <a:solidFill>
+                        <a:srgbClr val="FFFFFF"/>
+                      </a:solidFill>
+                    </a:uFill>
+                    <a:latin typeface="Lucida Bright" pitchFamily="18" charset="0"/>
+                  </a:rPr>
+                  <a:t>Ukoliko postoji sitno „ostrvo“ stanja sa velikom verovatnoćom nasuprot većini ostalih sa zanemarljivim ili jako malim verovatnoćama, algoritam će izrazito dugo vraćati stanja samo sa malom verovatnoćom pa zatim opet dugo ona sa velikom verovatnoćom i biće mu potrebno oko </a:t>
+                </a:r>
+                <a14:m>
+                  <m:oMath xmlns:m="http://schemas.openxmlformats.org/officeDocument/2006/math">
+                    <m:sSup>
+                      <m:sSupPr>
+                        <m:ctrlPr>
+                          <a:rPr lang="sr-Latn-RS" b="1" i="1" spc="-1" dirty="0" smtClean="0">
+                            <a:solidFill>
+                              <a:srgbClr val="FFFFFF"/>
+                            </a:solidFill>
+                            <a:uFill>
+                              <a:solidFill>
+                                <a:srgbClr val="FFFFFF"/>
+                              </a:solidFill>
+                            </a:uFill>
+                            <a:latin typeface="Cambria Math"/>
+                          </a:rPr>
+                        </m:ctrlPr>
+                      </m:sSupPr>
+                      <m:e>
+                        <m:r>
+                          <a:rPr lang="sr-Latn-RS" b="1" i="1" spc="-1" dirty="0" smtClean="0">
+                            <a:solidFill>
+                              <a:srgbClr val="FFFFFF"/>
+                            </a:solidFill>
+                            <a:uFill>
+                              <a:solidFill>
+                                <a:srgbClr val="FFFFFF"/>
+                              </a:solidFill>
+                            </a:uFill>
+                            <a:latin typeface="Cambria Math"/>
+                          </a:rPr>
+                          <m:t>𝟐</m:t>
+                        </m:r>
+                      </m:e>
+                      <m:sup>
+                        <m:r>
+                          <a:rPr lang="sr-Latn-RS" b="1" i="1" spc="-1" dirty="0" smtClean="0">
+                            <a:solidFill>
+                              <a:srgbClr val="FFFFFF"/>
+                            </a:solidFill>
+                            <a:uFill>
+                              <a:solidFill>
+                                <a:srgbClr val="FFFFFF"/>
+                              </a:solidFill>
+                            </a:uFill>
+                            <a:latin typeface="Cambria Math"/>
+                          </a:rPr>
+                          <m:t>𝟏𝟎𝟎</m:t>
+                        </m:r>
+                      </m:sup>
+                    </m:sSup>
+                  </m:oMath>
+                </a14:m>
+                <a:r>
+                  <a:rPr lang="sr-Latn-RS" b="1" spc="-1" dirty="0" smtClean="0">
+                    <a:solidFill>
+                      <a:srgbClr val="FFFFFF"/>
+                    </a:solidFill>
+                    <a:uFill>
+                      <a:solidFill>
+                        <a:srgbClr val="FFFFFF"/>
+                      </a:solidFill>
+                    </a:uFill>
+                    <a:latin typeface="Lucida Bright" pitchFamily="18" charset="0"/>
+                  </a:rPr>
+                  <a:t> iteracija da bi ispravno ocenio raspodelu</a:t>
+                </a:r>
+                <a:endParaRPr lang="sr-Latn-RS" b="1" spc="-1" dirty="0" smtClean="0">
+                  <a:solidFill>
+                    <a:srgbClr val="FFFFFF"/>
+                  </a:solidFill>
+                  <a:uFill>
+                    <a:solidFill>
+                      <a:srgbClr val="FFFFFF"/>
+                    </a:solidFill>
+                  </a:uFill>
+                  <a:latin typeface="Lucida Bright" pitchFamily="18" charset="0"/>
+                </a:endParaRPr>
+              </a:p>
+            </p:txBody>
+          </p:sp>
+        </mc:Choice>
+        <mc:Fallback>
+          <p:sp>
+            <p:nvSpPr>
+              <p:cNvPr id="4" name="TextShape 3"/>
+              <p:cNvSpPr txBox="1">
+                <a:spLocks noRot="1" noChangeAspect="1" noMove="1" noResize="1" noEditPoints="1" noAdjustHandles="1" noChangeArrowheads="1" noChangeShapeType="1" noTextEdit="1"/>
+              </p:cNvSpPr>
+              <p:nvPr/>
+            </p:nvSpPr>
+            <p:spPr>
+              <a:xfrm>
+                <a:off x="928662" y="1371600"/>
+                <a:ext cx="7143800" cy="3557604"/>
+              </a:xfrm>
+              <a:prstGeom prst="rect">
+                <a:avLst/>
+              </a:prstGeom>
+              <a:blipFill rotWithShape="1">
+                <a:blip r:embed="rId2"/>
+                <a:stretch>
+                  <a:fillRect t="-2055" r="-2560"/>
+                </a:stretch>
+              </a:blipFill>
+              <a:ln>
+                <a:noFill/>
+              </a:ln>
+            </p:spPr>
+            <p:txBody>
+              <a:bodyPr/>
+              <a:lstStyle/>
+              <a:p>
+                <a:r>
+                  <a:rPr lang="en-US">
+                    <a:noFill/>
+                  </a:rPr>
+                  <a:t> </a:t>
+                </a:r>
+              </a:p>
+            </p:txBody>
+          </p:sp>
+        </mc:Fallback>
+      </mc:AlternateContent>
     </p:spTree>
   </p:cSld>
   <p:clrMapOvr>
     <a:masterClrMapping/>
   </p:clrMapOvr>
+  <p:timing>
+    <p:tnLst>
+      <p:par>
+        <p:cTn id="1" dur="indefinite" restart="never" nodeType="tmRoot"/>
+      </p:par>
+    </p:tnLst>
+  </p:timing>
 </p:sld>
 </file>
 

--- a/gibbs.pptx
+++ b/gibbs.pptx
@@ -22013,7 +22013,37 @@
                 <a:latin typeface="Lucida Bright" pitchFamily="18" charset="0"/>
                 <a:sym typeface="Symbol"/>
               </a:rPr>
-              <a:t> kod </a:t>
+              <a:t></a:t>
+            </a:r>
+            <a:r>
+              <a:rPr lang="en-US" sz="1400" b="1" spc="-1" dirty="0" smtClean="0">
+                <a:solidFill>
+                  <a:srgbClr val="FFFFFF"/>
+                </a:solidFill>
+                <a:uFill>
+                  <a:solidFill>
+                    <a:srgbClr val="FFFFFF"/>
+                  </a:solidFill>
+                </a:uFill>
+                <a:latin typeface="Lucida Bright" pitchFamily="18" charset="0"/>
+                <a:sym typeface="Symbol"/>
+              </a:rPr>
+              <a:t> (</a:t>
+            </a:r>
+            <a:r>
+              <a:rPr lang="en-US" sz="1400" b="1" spc="-1" dirty="0" err="1" smtClean="0">
+                <a:solidFill>
+                  <a:srgbClr val="FFFFFF"/>
+                </a:solidFill>
+                <a:uFill>
+                  <a:solidFill>
+                    <a:srgbClr val="FFFFFF"/>
+                  </a:solidFill>
+                </a:uFill>
+                <a:latin typeface="Lucida Bright" pitchFamily="18" charset="0"/>
+                <a:sym typeface="Symbol"/>
+              </a:rPr>
+              <a:t>gre</a:t>
             </a:r>
             <a:r>
               <a:rPr lang="sr-Latn-RS" sz="1400" b="1" spc="-1" dirty="0" smtClean="0">
@@ -22026,8 +22056,53 @@
                   </a:solidFill>
                 </a:uFill>
                 <a:latin typeface="Lucida Bright" pitchFamily="18" charset="0"/>
-              </a:rPr>
-              <a:t>medicinskih testova</a:t>
+                <a:sym typeface="Symbol"/>
+              </a:rPr>
+              <a:t>ške prve vrste</a:t>
+            </a:r>
+            <a:r>
+              <a:rPr lang="en-US" sz="1400" b="1" spc="-1" dirty="0" smtClean="0">
+                <a:solidFill>
+                  <a:srgbClr val="FFFFFF"/>
+                </a:solidFill>
+                <a:uFill>
+                  <a:solidFill>
+                    <a:srgbClr val="FFFFFF"/>
+                  </a:solidFill>
+                </a:uFill>
+                <a:latin typeface="Lucida Bright" pitchFamily="18" charset="0"/>
+                <a:sym typeface="Symbol"/>
+              </a:rPr>
+              <a:t>)</a:t>
+            </a:r>
+            <a:r>
+              <a:rPr lang="sr-Latn-RS" sz="1400" b="1" spc="-1" dirty="0" smtClean="0">
+                <a:solidFill>
+                  <a:srgbClr val="FFFFFF"/>
+                </a:solidFill>
+                <a:uFill>
+                  <a:solidFill>
+                    <a:srgbClr val="FFFFFF"/>
+                  </a:solidFill>
+                </a:uFill>
+                <a:latin typeface="Lucida Bright" pitchFamily="18" charset="0"/>
+                <a:sym typeface="Symbol"/>
+              </a:rPr>
+              <a:t> kod </a:t>
+            </a:r>
+            <a:r>
+              <a:rPr lang="sr-Latn-RS" sz="1400" b="1" spc="-1" dirty="0" smtClean="0">
+                <a:solidFill>
+                  <a:srgbClr val="FFFFFF"/>
+                </a:solidFill>
+                <a:uFill>
+                  <a:solidFill>
+                    <a:srgbClr val="FFFFFF"/>
+                  </a:solidFill>
+                </a:uFill>
+                <a:latin typeface="Lucida Bright" pitchFamily="18" charset="0"/>
+              </a:rPr>
+              <a:t>medicinskih 	         testova</a:t>
             </a:r>
             <a:endParaRPr lang="sr-Latn-RS" sz="1400" b="1" spc="-1" dirty="0" smtClean="0">
               <a:solidFill>
@@ -22074,6 +22149,20 @@
               <a:buFont typeface="Arial" pitchFamily="34" charset="0"/>
               <a:buChar char="•"/>
             </a:pPr>
+            <a:r>
+              <a:rPr lang="sr-Latn-RS" sz="1400" b="1" spc="-1" dirty="0" smtClean="0">
+                <a:solidFill>
+                  <a:schemeClr val="bg1"/>
+                </a:solidFill>
+                <a:uFill>
+                  <a:solidFill>
+                    <a:srgbClr val="FFFFFF"/>
+                  </a:solidFill>
+                </a:uFill>
+                <a:latin typeface="Lucida Bright" pitchFamily="18" charset="0"/>
+              </a:rPr>
+              <a:t>Analiza podataka u prerambrenoj industriji, trgovini nekretninama i naravno ekonomiji</a:t>
+            </a:r>
             <a:endParaRPr lang="sr-Latn-RS" b="1" spc="-1" dirty="0" smtClean="0">
               <a:solidFill>
                 <a:schemeClr val="bg1"/>
@@ -22659,6 +22748,13 @@
   <p:clrMapOvr>
     <a:masterClrMapping/>
   </p:clrMapOvr>
+  <p:timing>
+    <p:tnLst>
+      <p:par>
+        <p:cTn id="1" dur="indefinite" restart="never" nodeType="tmRoot"/>
+      </p:par>
+    </p:tnLst>
+  </p:timing>
 </p:sld>
 </file>
 
